--- a/Milan Stankovic 1407 - Sistemi za upravljanje bazama podataka.pptx
+++ b/Milan Stankovic 1407 - Sistemi za upravljanje bazama podataka.pptx
@@ -4004,7 +4004,7 @@
         <p:spPr>
           <a:xfrm>
             <a:off x="873592" y="2665569"/>
-            <a:ext cx="7785216" cy="1169551"/>
+            <a:ext cx="8540996" cy="1631216"/>
           </a:xfrm>
           <a:prstGeom prst="rect">
             <a:avLst/>
@@ -4038,7 +4038,7 @@
           </a:p>
           <a:p>
             <a:r>
-              <a:rPr lang="en-US" sz="3000" b="1" dirty="0">
+              <a:rPr lang="en-US" sz="2800" b="1" dirty="0">
                 <a:solidFill>
                   <a:schemeClr val="bg1"/>
                 </a:solidFill>
@@ -4053,7 +4053,7 @@
                 <a:latin typeface="Arial" panose="020B0604020202020204" pitchFamily="34" charset="0"/>
                 <a:cs typeface="Arial" panose="020B0604020202020204" pitchFamily="34" charset="0"/>
               </a:rPr>
-              <a:t>TENSORFLOW U DOCKER KONTEJNERU</a:t>
+              <a:t>INTERNA STRUKTURA I ORGANIZACIJA INDEKSA KOD MySQL BAZE PODATAKA</a:t>
             </a:r>
           </a:p>
           <a:p>
@@ -4642,6 +4642,16 @@
           <a:p>
             <a:pPr algn="ctr"/>
             <a:r>
+              <a:rPr lang="en-US" b="1" dirty="0">
+                <a:solidFill>
+                  <a:schemeClr val="tx1"/>
+                </a:solidFill>
+                <a:latin typeface="Arial" panose="020B0604020202020204" pitchFamily="34" charset="0"/>
+                <a:cs typeface="Arial" panose="020B0604020202020204" pitchFamily="34" charset="0"/>
+              </a:rPr>
+              <a:t>I</a:t>
+            </a:r>
+            <a:r>
               <a:rPr lang="sr-Latn-RS" b="1" dirty="0">
                 <a:solidFill>
                   <a:schemeClr val="tx1"/>
@@ -4649,7 +4659,7 @@
                 <a:latin typeface="Arial" panose="020B0604020202020204" pitchFamily="34" charset="0"/>
                 <a:cs typeface="Arial" panose="020B0604020202020204" pitchFamily="34" charset="0"/>
               </a:rPr>
-              <a:t>interface</a:t>
+              <a:t>nterface</a:t>
             </a:r>
             <a:endParaRPr lang="en-US" b="1" dirty="0">
               <a:solidFill>
@@ -6934,7 +6944,21 @@
                 <a:latin typeface="Arial" panose="020B0604020202020204" pitchFamily="34" charset="0"/>
                 <a:cs typeface="Arial" panose="020B0604020202020204" pitchFamily="34" charset="0"/>
               </a:rPr>
-              <a:t>Umesto indeksiranja cele kolone, indeksiraće se samo deo kolone (prva 4 bajta).</a:t>
+              <a:t>Umesto indeksiranja cele kolone, indeksiraće se samo deo kolone (na</a:t>
+            </a:r>
+            <a:r>
+              <a:rPr lang="en-US" sz="1600" dirty="0">
+                <a:latin typeface="Arial" panose="020B0604020202020204" pitchFamily="34" charset="0"/>
+                <a:cs typeface="Arial" panose="020B0604020202020204" pitchFamily="34" charset="0"/>
+              </a:rPr>
+              <a:t> primer: </a:t>
+            </a:r>
+            <a:r>
+              <a:rPr lang="sr-Latn-RS" sz="1600" dirty="0">
+                <a:latin typeface="Arial" panose="020B0604020202020204" pitchFamily="34" charset="0"/>
+                <a:cs typeface="Arial" panose="020B0604020202020204" pitchFamily="34" charset="0"/>
+              </a:rPr>
+              <a:t>prva 4 bajta).</a:t>
             </a:r>
           </a:p>
           <a:p>
@@ -10133,7 +10157,21 @@
                 <a:latin typeface="Arial" panose="020B0604020202020204" pitchFamily="34" charset="0"/>
                 <a:cs typeface="Arial" panose="020B0604020202020204" pitchFamily="34" charset="0"/>
               </a:rPr>
-              <a:t>Koriste uravnoteženo stable (B stablo)</a:t>
+              <a:t>Koriste uravnoteženo stabl</a:t>
+            </a:r>
+            <a:r>
+              <a:rPr lang="en-US" sz="1600" dirty="0">
+                <a:latin typeface="Arial" panose="020B0604020202020204" pitchFamily="34" charset="0"/>
+                <a:cs typeface="Arial" panose="020B0604020202020204" pitchFamily="34" charset="0"/>
+              </a:rPr>
+              <a:t>o</a:t>
+            </a:r>
+            <a:r>
+              <a:rPr lang="sr-Latn-RS" sz="1600" dirty="0">
+                <a:latin typeface="Arial" panose="020B0604020202020204" pitchFamily="34" charset="0"/>
+                <a:cs typeface="Arial" panose="020B0604020202020204" pitchFamily="34" charset="0"/>
+              </a:rPr>
+              <a:t> (B stablo)</a:t>
             </a:r>
           </a:p>
           <a:p>
@@ -15160,11 +15198,18 @@
           <a:lstStyle/>
           <a:p>
             <a:r>
+              <a:rPr lang="sr-Latn-RS" sz="2000" b="1" dirty="0">
+                <a:latin typeface="Arial" panose="020B0604020202020204" pitchFamily="34" charset="0"/>
+                <a:cs typeface="Arial" panose="020B0604020202020204" pitchFamily="34" charset="0"/>
+              </a:rPr>
+              <a:t>Rešenje</a:t>
+            </a:r>
+            <a:r>
               <a:rPr lang="sr-Latn-RS" sz="2000" dirty="0">
                 <a:latin typeface="Arial" panose="020B0604020202020204" pitchFamily="34" charset="0"/>
                 <a:cs typeface="Arial" panose="020B0604020202020204" pitchFamily="34" charset="0"/>
               </a:rPr>
-              <a:t>Rešenje je da se spreči ili smanji uticaj povećanja podataka na performanse.</a:t>
+              <a:t> je da se spreči ili smanji uticaj povećanja podataka na performanse.</a:t>
             </a:r>
           </a:p>
         </p:txBody>
@@ -15255,8 +15300,8 @@
         </p:nvSpPr>
         <p:spPr>
           <a:xfrm rot="1064906">
-            <a:off x="9325622" y="2387618"/>
-            <a:ext cx="1704512" cy="307777"/>
+            <a:off x="9325622" y="2403007"/>
+            <a:ext cx="1704512" cy="276999"/>
           </a:xfrm>
           <a:prstGeom prst="rect">
             <a:avLst/>
@@ -15270,7 +15315,7 @@
           <a:lstStyle/>
           <a:p>
             <a:r>
-              <a:rPr lang="sr-Latn-RS" sz="1400" b="1" dirty="0">
+              <a:rPr lang="en-US" sz="1200" b="1" dirty="0">
                 <a:solidFill>
                   <a:schemeClr val="tx1">
                     <a:lumMod val="85000"/>
@@ -15280,18 +15325,8 @@
                 <a:latin typeface="Arial" panose="020B0604020202020204" pitchFamily="34" charset="0"/>
                 <a:cs typeface="Arial" panose="020B0604020202020204" pitchFamily="34" charset="0"/>
               </a:rPr>
-              <a:t>performance</a:t>
-            </a:r>
-            <a:endParaRPr lang="en-US" sz="1400" b="1" dirty="0">
-              <a:solidFill>
-                <a:schemeClr val="tx1">
-                  <a:lumMod val="85000"/>
-                  <a:lumOff val="15000"/>
-                </a:schemeClr>
-              </a:solidFill>
-              <a:latin typeface="Arial" panose="020B0604020202020204" pitchFamily="34" charset="0"/>
-              <a:cs typeface="Arial" panose="020B0604020202020204" pitchFamily="34" charset="0"/>
-            </a:endParaRPr>
+              <a:t>PERFORMANSE</a:t>
+            </a:r>
           </a:p>
         </p:txBody>
       </p:sp>
@@ -15621,7 +15656,7 @@
         </p:blipFill>
         <p:spPr>
           <a:xfrm>
-            <a:off x="8093660" y="2178575"/>
+            <a:off x="8130249" y="2087137"/>
             <a:ext cx="3402667" cy="2817983"/>
           </a:xfrm>
           <a:prstGeom prst="rect">
@@ -15861,7 +15896,7 @@
                 <a:latin typeface="Arial" panose="020B0604020202020204" pitchFamily="34" charset="0"/>
                 <a:cs typeface="Arial" panose="020B0604020202020204" pitchFamily="34" charset="0"/>
               </a:rPr>
-              <a:t>Podaci su predstavljenu u obliku stavki (vrste) tabele.</a:t>
+              <a:t>Podaci su predstavljeni u obliku stavki (vrste) tabele.</a:t>
             </a:r>
             <a:endParaRPr lang="en-US" sz="2000" dirty="0">
               <a:latin typeface="Arial" panose="020B0604020202020204" pitchFamily="34" charset="0"/>
@@ -15926,7 +15961,7 @@
         </p:nvSpPr>
         <p:spPr>
           <a:xfrm>
-            <a:off x="1377517" y="5769716"/>
+            <a:off x="1377516" y="5769716"/>
             <a:ext cx="9338105" cy="400110"/>
           </a:xfrm>
           <a:prstGeom prst="rect">
@@ -16018,7 +16053,7 @@
         <p:spPr>
           <a:xfrm>
             <a:off x="1377516" y="5183082"/>
-            <a:ext cx="8627617" cy="400110"/>
+            <a:ext cx="9976284" cy="400110"/>
           </a:xfrm>
           <a:prstGeom prst="rect">
             <a:avLst/>
@@ -16043,7 +16078,21 @@
                 <a:latin typeface="Arial" panose="020B0604020202020204" pitchFamily="34" charset="0"/>
                 <a:cs typeface="Arial" panose="020B0604020202020204" pitchFamily="34" charset="0"/>
               </a:rPr>
-              <a:t>: u velikim poslovnim sistemima sa strogo definisanim podacima.</a:t>
+              <a:t>: u velikim poslovnim sistemima sa strogo definisan</a:t>
+            </a:r>
+            <a:r>
+              <a:rPr lang="en-US" sz="2000" dirty="0">
+                <a:latin typeface="Arial" panose="020B0604020202020204" pitchFamily="34" charset="0"/>
+                <a:cs typeface="Arial" panose="020B0604020202020204" pitchFamily="34" charset="0"/>
+              </a:rPr>
+              <a:t>om </a:t>
+            </a:r>
+            <a:r>
+              <a:rPr lang="sr-Latn-RS" sz="2000" dirty="0">
+                <a:latin typeface="Arial" panose="020B0604020202020204" pitchFamily="34" charset="0"/>
+                <a:cs typeface="Arial" panose="020B0604020202020204" pitchFamily="34" charset="0"/>
+              </a:rPr>
+              <a:t>strukturom podataka.</a:t>
             </a:r>
             <a:endParaRPr lang="en-US" sz="2000" dirty="0">
               <a:latin typeface="Arial" panose="020B0604020202020204" pitchFamily="34" charset="0"/>
@@ -18075,7 +18124,7 @@
                 <a:latin typeface="Arial" panose="020B0604020202020204" pitchFamily="34" charset="0"/>
                 <a:cs typeface="Arial" panose="020B0604020202020204" pitchFamily="34" charset="0"/>
               </a:rPr>
-              <a:t>Prednosti:</a:t>
+              <a:t>Nedostaci:</a:t>
             </a:r>
           </a:p>
           <a:p>
